--- a/coursework/Diagrams/Sequence-Diagram---Simple-Search/Simple_Search-System_Sequence_Diagram.pptx
+++ b/coursework/Diagrams/Sequence-Diagram---Simple-Search/Simple_Search-System_Sequence_Diagram.pptx
@@ -2,12 +2,12 @@
 <file path=ppt/presentation.xml><?xml version="1.0" encoding="utf-8"?>
 <p:presentation xmlns:a="http://schemas.openxmlformats.org/drawingml/2006/main" xmlns:r="http://schemas.openxmlformats.org/officeDocument/2006/relationships" xmlns:p="http://schemas.openxmlformats.org/presentationml/2006/main" saveSubsetFonts="1">
   <p:sldMasterIdLst>
-    <p:sldMasterId id="2147483672" r:id="rId1"/>
+    <p:sldMasterId id="2147483684" r:id="rId1"/>
   </p:sldMasterIdLst>
   <p:sldIdLst>
     <p:sldId id="256" r:id="rId2"/>
   </p:sldIdLst>
-  <p:sldSz cx="15119350" cy="7199313"/>
+  <p:sldSz cx="15119350" cy="10080625"/>
   <p:notesSz cx="6858000" cy="9144000"/>
   <p:defaultTextStyle>
     <a:defPPr>
@@ -104,6 +104,11 @@
       </a:defRPr>
     </a:lvl9pPr>
   </p:defaultTextStyle>
+  <p:extLst>
+    <p:ext uri="{EFAFB233-063F-42B5-8137-9DF3F51BA10A}">
+      <p15:sldGuideLst xmlns:p15="http://schemas.microsoft.com/office/powerpoint/2012/main"/>
+    </p:ext>
+  </p:extLst>
 </p:presentation>
 </file>
 
@@ -136,15 +141,15 @@
         </p:nvSpPr>
         <p:spPr>
           <a:xfrm>
-            <a:off x="1889919" y="1178222"/>
-            <a:ext cx="11339513" cy="2506427"/>
+            <a:off x="1133951" y="1649770"/>
+            <a:ext cx="12851448" cy="3509551"/>
           </a:xfrm>
         </p:spPr>
         <p:txBody>
           <a:bodyPr anchor="b"/>
           <a:lstStyle>
             <a:lvl1pPr algn="ctr">
-              <a:defRPr sz="6299"/>
+              <a:defRPr sz="8819"/>
             </a:lvl1pPr>
           </a:lstStyle>
           <a:p>
@@ -168,8 +173,8 @@
         </p:nvSpPr>
         <p:spPr>
           <a:xfrm>
-            <a:off x="1889919" y="3781306"/>
-            <a:ext cx="11339513" cy="1738167"/>
+            <a:off x="1889919" y="5294662"/>
+            <a:ext cx="11339513" cy="2433817"/>
           </a:xfrm>
         </p:spPr>
         <p:txBody>
@@ -177,39 +182,39 @@
           <a:lstStyle>
             <a:lvl1pPr marL="0" indent="0" algn="ctr">
               <a:buNone/>
-              <a:defRPr sz="2520"/>
+              <a:defRPr sz="3528"/>
             </a:lvl1pPr>
-            <a:lvl2pPr marL="479969" indent="0" algn="ctr">
-              <a:buNone/>
-              <a:defRPr sz="2100"/>
+            <a:lvl2pPr marL="672038" indent="0" algn="ctr">
+              <a:buNone/>
+              <a:defRPr sz="2940"/>
             </a:lvl2pPr>
-            <a:lvl3pPr marL="959937" indent="0" algn="ctr">
-              <a:buNone/>
-              <a:defRPr sz="1890"/>
+            <a:lvl3pPr marL="1344077" indent="0" algn="ctr">
+              <a:buNone/>
+              <a:defRPr sz="2646"/>
             </a:lvl3pPr>
-            <a:lvl4pPr marL="1439906" indent="0" algn="ctr">
-              <a:buNone/>
-              <a:defRPr sz="1680"/>
+            <a:lvl4pPr marL="2016115" indent="0" algn="ctr">
+              <a:buNone/>
+              <a:defRPr sz="2352"/>
             </a:lvl4pPr>
-            <a:lvl5pPr marL="1919874" indent="0" algn="ctr">
-              <a:buNone/>
-              <a:defRPr sz="1680"/>
+            <a:lvl5pPr marL="2688153" indent="0" algn="ctr">
+              <a:buNone/>
+              <a:defRPr sz="2352"/>
             </a:lvl5pPr>
-            <a:lvl6pPr marL="2399843" indent="0" algn="ctr">
-              <a:buNone/>
-              <a:defRPr sz="1680"/>
+            <a:lvl6pPr marL="3360191" indent="0" algn="ctr">
+              <a:buNone/>
+              <a:defRPr sz="2352"/>
             </a:lvl6pPr>
-            <a:lvl7pPr marL="2879811" indent="0" algn="ctr">
-              <a:buNone/>
-              <a:defRPr sz="1680"/>
+            <a:lvl7pPr marL="4032230" indent="0" algn="ctr">
+              <a:buNone/>
+              <a:defRPr sz="2352"/>
             </a:lvl7pPr>
-            <a:lvl8pPr marL="3359780" indent="0" algn="ctr">
-              <a:buNone/>
-              <a:defRPr sz="1680"/>
+            <a:lvl8pPr marL="4704268" indent="0" algn="ctr">
+              <a:buNone/>
+              <a:defRPr sz="2352"/>
             </a:lvl8pPr>
-            <a:lvl9pPr marL="3839748" indent="0" algn="ctr">
-              <a:buNone/>
-              <a:defRPr sz="1680"/>
+            <a:lvl9pPr marL="5376306" indent="0" algn="ctr">
+              <a:buNone/>
+              <a:defRPr sz="2352"/>
             </a:lvl9pPr>
           </a:lstStyle>
           <a:p>
@@ -238,7 +243,7 @@
           <a:p>
             <a:fld id="{F86A943B-CE53-490B-99DE-9227ACE8B16B}" type="datetimeFigureOut">
               <a:rPr lang="en-GB" smtClean="0"/>
-              <a:t>16/10/2016</a:t>
+              <a:t>21/10/2016</a:t>
             </a:fld>
             <a:endParaRPr lang="en-GB"/>
           </a:p>
@@ -289,7 +294,7 @@
     </p:spTree>
     <p:extLst>
       <p:ext uri="{BB962C8B-B14F-4D97-AF65-F5344CB8AC3E}">
-        <p14:creationId xmlns:p14="http://schemas.microsoft.com/office/powerpoint/2010/main" val="3164540700"/>
+        <p14:creationId xmlns:p14="http://schemas.microsoft.com/office/powerpoint/2010/main" val="3439883361"/>
       </p:ext>
     </p:extLst>
   </p:cSld>
@@ -408,7 +413,7 @@
           <a:p>
             <a:fld id="{F86A943B-CE53-490B-99DE-9227ACE8B16B}" type="datetimeFigureOut">
               <a:rPr lang="en-GB" smtClean="0"/>
-              <a:t>16/10/2016</a:t>
+              <a:t>21/10/2016</a:t>
             </a:fld>
             <a:endParaRPr lang="en-GB"/>
           </a:p>
@@ -459,7 +464,7 @@
     </p:spTree>
     <p:extLst>
       <p:ext uri="{BB962C8B-B14F-4D97-AF65-F5344CB8AC3E}">
-        <p14:creationId xmlns:p14="http://schemas.microsoft.com/office/powerpoint/2010/main" val="2880080864"/>
+        <p14:creationId xmlns:p14="http://schemas.microsoft.com/office/powerpoint/2010/main" val="1501978360"/>
       </p:ext>
     </p:extLst>
   </p:cSld>
@@ -498,8 +503,8 @@
         </p:nvSpPr>
         <p:spPr>
           <a:xfrm>
-            <a:off x="10819785" y="383297"/>
-            <a:ext cx="3260110" cy="6101085"/>
+            <a:off x="10819786" y="536700"/>
+            <a:ext cx="3260110" cy="8542864"/>
           </a:xfrm>
         </p:spPr>
         <p:txBody>
@@ -526,8 +531,8 @@
         </p:nvSpPr>
         <p:spPr>
           <a:xfrm>
-            <a:off x="1039455" y="383297"/>
-            <a:ext cx="9591338" cy="6101085"/>
+            <a:off x="1039456" y="536700"/>
+            <a:ext cx="9591338" cy="8542864"/>
           </a:xfrm>
         </p:spPr>
         <p:txBody>
@@ -588,7 +593,7 @@
           <a:p>
             <a:fld id="{F86A943B-CE53-490B-99DE-9227ACE8B16B}" type="datetimeFigureOut">
               <a:rPr lang="en-GB" smtClean="0"/>
-              <a:t>16/10/2016</a:t>
+              <a:t>21/10/2016</a:t>
             </a:fld>
             <a:endParaRPr lang="en-GB"/>
           </a:p>
@@ -639,7 +644,7 @@
     </p:spTree>
     <p:extLst>
       <p:ext uri="{BB962C8B-B14F-4D97-AF65-F5344CB8AC3E}">
-        <p14:creationId xmlns:p14="http://schemas.microsoft.com/office/powerpoint/2010/main" val="4055271209"/>
+        <p14:creationId xmlns:p14="http://schemas.microsoft.com/office/powerpoint/2010/main" val="577368661"/>
       </p:ext>
     </p:extLst>
   </p:cSld>
@@ -758,7 +763,7 @@
           <a:p>
             <a:fld id="{F86A943B-CE53-490B-99DE-9227ACE8B16B}" type="datetimeFigureOut">
               <a:rPr lang="en-GB" smtClean="0"/>
-              <a:t>16/10/2016</a:t>
+              <a:t>21/10/2016</a:t>
             </a:fld>
             <a:endParaRPr lang="en-GB"/>
           </a:p>
@@ -809,7 +814,7 @@
     </p:spTree>
     <p:extLst>
       <p:ext uri="{BB962C8B-B14F-4D97-AF65-F5344CB8AC3E}">
-        <p14:creationId xmlns:p14="http://schemas.microsoft.com/office/powerpoint/2010/main" val="575033847"/>
+        <p14:creationId xmlns:p14="http://schemas.microsoft.com/office/powerpoint/2010/main" val="4028082653"/>
       </p:ext>
     </p:extLst>
   </p:cSld>
@@ -848,15 +853,15 @@
         </p:nvSpPr>
         <p:spPr>
           <a:xfrm>
-            <a:off x="1031581" y="1794830"/>
-            <a:ext cx="13040439" cy="2994714"/>
+            <a:off x="1031582" y="2513159"/>
+            <a:ext cx="13040439" cy="4193259"/>
           </a:xfrm>
         </p:spPr>
         <p:txBody>
           <a:bodyPr anchor="b"/>
           <a:lstStyle>
             <a:lvl1pPr>
-              <a:defRPr sz="6299"/>
+              <a:defRPr sz="8819"/>
             </a:lvl1pPr>
           </a:lstStyle>
           <a:p>
@@ -880,8 +885,8 @@
         </p:nvSpPr>
         <p:spPr>
           <a:xfrm>
-            <a:off x="1031581" y="4817875"/>
-            <a:ext cx="13040439" cy="1574849"/>
+            <a:off x="1031582" y="6746088"/>
+            <a:ext cx="13040439" cy="2205136"/>
           </a:xfrm>
         </p:spPr>
         <p:txBody>
@@ -889,17 +894,15 @@
           <a:lstStyle>
             <a:lvl1pPr marL="0" indent="0">
               <a:buNone/>
-              <a:defRPr sz="2520">
+              <a:defRPr sz="3528">
                 <a:solidFill>
-                  <a:schemeClr val="tx1">
-                    <a:tint val="75000"/>
-                  </a:schemeClr>
+                  <a:schemeClr val="tx1"/>
                 </a:solidFill>
               </a:defRPr>
             </a:lvl1pPr>
-            <a:lvl2pPr marL="479969" indent="0">
-              <a:buNone/>
-              <a:defRPr sz="2100">
+            <a:lvl2pPr marL="672038" indent="0">
+              <a:buNone/>
+              <a:defRPr sz="2940">
                 <a:solidFill>
                   <a:schemeClr val="tx1">
                     <a:tint val="75000"/>
@@ -907,9 +910,9 @@
                 </a:solidFill>
               </a:defRPr>
             </a:lvl2pPr>
-            <a:lvl3pPr marL="959937" indent="0">
-              <a:buNone/>
-              <a:defRPr sz="1890">
+            <a:lvl3pPr marL="1344077" indent="0">
+              <a:buNone/>
+              <a:defRPr sz="2646">
                 <a:solidFill>
                   <a:schemeClr val="tx1">
                     <a:tint val="75000"/>
@@ -917,9 +920,9 @@
                 </a:solidFill>
               </a:defRPr>
             </a:lvl3pPr>
-            <a:lvl4pPr marL="1439906" indent="0">
-              <a:buNone/>
-              <a:defRPr sz="1680">
+            <a:lvl4pPr marL="2016115" indent="0">
+              <a:buNone/>
+              <a:defRPr sz="2352">
                 <a:solidFill>
                   <a:schemeClr val="tx1">
                     <a:tint val="75000"/>
@@ -927,9 +930,9 @@
                 </a:solidFill>
               </a:defRPr>
             </a:lvl4pPr>
-            <a:lvl5pPr marL="1919874" indent="0">
-              <a:buNone/>
-              <a:defRPr sz="1680">
+            <a:lvl5pPr marL="2688153" indent="0">
+              <a:buNone/>
+              <a:defRPr sz="2352">
                 <a:solidFill>
                   <a:schemeClr val="tx1">
                     <a:tint val="75000"/>
@@ -937,9 +940,9 @@
                 </a:solidFill>
               </a:defRPr>
             </a:lvl5pPr>
-            <a:lvl6pPr marL="2399843" indent="0">
-              <a:buNone/>
-              <a:defRPr sz="1680">
+            <a:lvl6pPr marL="3360191" indent="0">
+              <a:buNone/>
+              <a:defRPr sz="2352">
                 <a:solidFill>
                   <a:schemeClr val="tx1">
                     <a:tint val="75000"/>
@@ -947,9 +950,9 @@
                 </a:solidFill>
               </a:defRPr>
             </a:lvl6pPr>
-            <a:lvl7pPr marL="2879811" indent="0">
-              <a:buNone/>
-              <a:defRPr sz="1680">
+            <a:lvl7pPr marL="4032230" indent="0">
+              <a:buNone/>
+              <a:defRPr sz="2352">
                 <a:solidFill>
                   <a:schemeClr val="tx1">
                     <a:tint val="75000"/>
@@ -957,9 +960,9 @@
                 </a:solidFill>
               </a:defRPr>
             </a:lvl7pPr>
-            <a:lvl8pPr marL="3359780" indent="0">
-              <a:buNone/>
-              <a:defRPr sz="1680">
+            <a:lvl8pPr marL="4704268" indent="0">
+              <a:buNone/>
+              <a:defRPr sz="2352">
                 <a:solidFill>
                   <a:schemeClr val="tx1">
                     <a:tint val="75000"/>
@@ -967,9 +970,9 @@
                 </a:solidFill>
               </a:defRPr>
             </a:lvl8pPr>
-            <a:lvl9pPr marL="3839748" indent="0">
-              <a:buNone/>
-              <a:defRPr sz="1680">
+            <a:lvl9pPr marL="5376306" indent="0">
+              <a:buNone/>
+              <a:defRPr sz="2352">
                 <a:solidFill>
                   <a:schemeClr val="tx1">
                     <a:tint val="75000"/>
@@ -1004,7 +1007,7 @@
           <a:p>
             <a:fld id="{F86A943B-CE53-490B-99DE-9227ACE8B16B}" type="datetimeFigureOut">
               <a:rPr lang="en-GB" smtClean="0"/>
-              <a:t>16/10/2016</a:t>
+              <a:t>21/10/2016</a:t>
             </a:fld>
             <a:endParaRPr lang="en-GB"/>
           </a:p>
@@ -1055,7 +1058,7 @@
     </p:spTree>
     <p:extLst>
       <p:ext uri="{BB962C8B-B14F-4D97-AF65-F5344CB8AC3E}">
-        <p14:creationId xmlns:p14="http://schemas.microsoft.com/office/powerpoint/2010/main" val="3878194130"/>
+        <p14:creationId xmlns:p14="http://schemas.microsoft.com/office/powerpoint/2010/main" val="2726457910"/>
       </p:ext>
     </p:extLst>
   </p:cSld>
@@ -1117,8 +1120,8 @@
         </p:nvSpPr>
         <p:spPr>
           <a:xfrm>
-            <a:off x="1039455" y="1916484"/>
-            <a:ext cx="6425724" cy="4567898"/>
+            <a:off x="1039455" y="2683500"/>
+            <a:ext cx="6425724" cy="6396064"/>
           </a:xfrm>
         </p:spPr>
         <p:txBody>
@@ -1174,8 +1177,8 @@
         </p:nvSpPr>
         <p:spPr>
           <a:xfrm>
-            <a:off x="7654171" y="1916484"/>
-            <a:ext cx="6425724" cy="4567898"/>
+            <a:off x="7654171" y="2683500"/>
+            <a:ext cx="6425724" cy="6396064"/>
           </a:xfrm>
         </p:spPr>
         <p:txBody>
@@ -1236,7 +1239,7 @@
           <a:p>
             <a:fld id="{F86A943B-CE53-490B-99DE-9227ACE8B16B}" type="datetimeFigureOut">
               <a:rPr lang="en-GB" smtClean="0"/>
-              <a:t>16/10/2016</a:t>
+              <a:t>21/10/2016</a:t>
             </a:fld>
             <a:endParaRPr lang="en-GB"/>
           </a:p>
@@ -1287,7 +1290,7 @@
     </p:spTree>
     <p:extLst>
       <p:ext uri="{BB962C8B-B14F-4D97-AF65-F5344CB8AC3E}">
-        <p14:creationId xmlns:p14="http://schemas.microsoft.com/office/powerpoint/2010/main" val="1098482096"/>
+        <p14:creationId xmlns:p14="http://schemas.microsoft.com/office/powerpoint/2010/main" val="3867173985"/>
       </p:ext>
     </p:extLst>
   </p:cSld>
@@ -1326,8 +1329,8 @@
         </p:nvSpPr>
         <p:spPr>
           <a:xfrm>
-            <a:off x="1041425" y="383297"/>
-            <a:ext cx="13040439" cy="1391534"/>
+            <a:off x="1041425" y="536702"/>
+            <a:ext cx="13040439" cy="1948455"/>
           </a:xfrm>
         </p:spPr>
         <p:txBody>
@@ -1354,8 +1357,8 @@
         </p:nvSpPr>
         <p:spPr>
           <a:xfrm>
-            <a:off x="1041425" y="1764832"/>
-            <a:ext cx="6396193" cy="864917"/>
+            <a:off x="1041426" y="2471154"/>
+            <a:ext cx="6396193" cy="1211074"/>
           </a:xfrm>
         </p:spPr>
         <p:txBody>
@@ -1363,39 +1366,39 @@
           <a:lstStyle>
             <a:lvl1pPr marL="0" indent="0">
               <a:buNone/>
-              <a:defRPr sz="2520" b="1"/>
+              <a:defRPr sz="3528" b="1"/>
             </a:lvl1pPr>
-            <a:lvl2pPr marL="479969" indent="0">
-              <a:buNone/>
-              <a:defRPr sz="2100" b="1"/>
+            <a:lvl2pPr marL="672038" indent="0">
+              <a:buNone/>
+              <a:defRPr sz="2940" b="1"/>
             </a:lvl2pPr>
-            <a:lvl3pPr marL="959937" indent="0">
-              <a:buNone/>
-              <a:defRPr sz="1890" b="1"/>
+            <a:lvl3pPr marL="1344077" indent="0">
+              <a:buNone/>
+              <a:defRPr sz="2646" b="1"/>
             </a:lvl3pPr>
-            <a:lvl4pPr marL="1439906" indent="0">
-              <a:buNone/>
-              <a:defRPr sz="1680" b="1"/>
+            <a:lvl4pPr marL="2016115" indent="0">
+              <a:buNone/>
+              <a:defRPr sz="2352" b="1"/>
             </a:lvl4pPr>
-            <a:lvl5pPr marL="1919874" indent="0">
-              <a:buNone/>
-              <a:defRPr sz="1680" b="1"/>
+            <a:lvl5pPr marL="2688153" indent="0">
+              <a:buNone/>
+              <a:defRPr sz="2352" b="1"/>
             </a:lvl5pPr>
-            <a:lvl6pPr marL="2399843" indent="0">
-              <a:buNone/>
-              <a:defRPr sz="1680" b="1"/>
+            <a:lvl6pPr marL="3360191" indent="0">
+              <a:buNone/>
+              <a:defRPr sz="2352" b="1"/>
             </a:lvl6pPr>
-            <a:lvl7pPr marL="2879811" indent="0">
-              <a:buNone/>
-              <a:defRPr sz="1680" b="1"/>
+            <a:lvl7pPr marL="4032230" indent="0">
+              <a:buNone/>
+              <a:defRPr sz="2352" b="1"/>
             </a:lvl7pPr>
-            <a:lvl8pPr marL="3359780" indent="0">
-              <a:buNone/>
-              <a:defRPr sz="1680" b="1"/>
+            <a:lvl8pPr marL="4704268" indent="0">
+              <a:buNone/>
+              <a:defRPr sz="2352" b="1"/>
             </a:lvl8pPr>
-            <a:lvl9pPr marL="3839748" indent="0">
-              <a:buNone/>
-              <a:defRPr sz="1680" b="1"/>
+            <a:lvl9pPr marL="5376306" indent="0">
+              <a:buNone/>
+              <a:defRPr sz="2352" b="1"/>
             </a:lvl9pPr>
           </a:lstStyle>
           <a:p>
@@ -1419,8 +1422,8 @@
         </p:nvSpPr>
         <p:spPr>
           <a:xfrm>
-            <a:off x="1041425" y="2629749"/>
-            <a:ext cx="6396193" cy="3867965"/>
+            <a:off x="1041426" y="3682228"/>
+            <a:ext cx="6396193" cy="5416003"/>
           </a:xfrm>
         </p:spPr>
         <p:txBody>
@@ -1476,8 +1479,8 @@
         </p:nvSpPr>
         <p:spPr>
           <a:xfrm>
-            <a:off x="7654171" y="1764832"/>
-            <a:ext cx="6427693" cy="864917"/>
+            <a:off x="7654172" y="2471154"/>
+            <a:ext cx="6427693" cy="1211074"/>
           </a:xfrm>
         </p:spPr>
         <p:txBody>
@@ -1485,39 +1488,39 @@
           <a:lstStyle>
             <a:lvl1pPr marL="0" indent="0">
               <a:buNone/>
-              <a:defRPr sz="2520" b="1"/>
+              <a:defRPr sz="3528" b="1"/>
             </a:lvl1pPr>
-            <a:lvl2pPr marL="479969" indent="0">
-              <a:buNone/>
-              <a:defRPr sz="2100" b="1"/>
+            <a:lvl2pPr marL="672038" indent="0">
+              <a:buNone/>
+              <a:defRPr sz="2940" b="1"/>
             </a:lvl2pPr>
-            <a:lvl3pPr marL="959937" indent="0">
-              <a:buNone/>
-              <a:defRPr sz="1890" b="1"/>
+            <a:lvl3pPr marL="1344077" indent="0">
+              <a:buNone/>
+              <a:defRPr sz="2646" b="1"/>
             </a:lvl3pPr>
-            <a:lvl4pPr marL="1439906" indent="0">
-              <a:buNone/>
-              <a:defRPr sz="1680" b="1"/>
+            <a:lvl4pPr marL="2016115" indent="0">
+              <a:buNone/>
+              <a:defRPr sz="2352" b="1"/>
             </a:lvl4pPr>
-            <a:lvl5pPr marL="1919874" indent="0">
-              <a:buNone/>
-              <a:defRPr sz="1680" b="1"/>
+            <a:lvl5pPr marL="2688153" indent="0">
+              <a:buNone/>
+              <a:defRPr sz="2352" b="1"/>
             </a:lvl5pPr>
-            <a:lvl6pPr marL="2399843" indent="0">
-              <a:buNone/>
-              <a:defRPr sz="1680" b="1"/>
+            <a:lvl6pPr marL="3360191" indent="0">
+              <a:buNone/>
+              <a:defRPr sz="2352" b="1"/>
             </a:lvl6pPr>
-            <a:lvl7pPr marL="2879811" indent="0">
-              <a:buNone/>
-              <a:defRPr sz="1680" b="1"/>
+            <a:lvl7pPr marL="4032230" indent="0">
+              <a:buNone/>
+              <a:defRPr sz="2352" b="1"/>
             </a:lvl7pPr>
-            <a:lvl8pPr marL="3359780" indent="0">
-              <a:buNone/>
-              <a:defRPr sz="1680" b="1"/>
+            <a:lvl8pPr marL="4704268" indent="0">
+              <a:buNone/>
+              <a:defRPr sz="2352" b="1"/>
             </a:lvl8pPr>
-            <a:lvl9pPr marL="3839748" indent="0">
-              <a:buNone/>
-              <a:defRPr sz="1680" b="1"/>
+            <a:lvl9pPr marL="5376306" indent="0">
+              <a:buNone/>
+              <a:defRPr sz="2352" b="1"/>
             </a:lvl9pPr>
           </a:lstStyle>
           <a:p>
@@ -1541,8 +1544,8 @@
         </p:nvSpPr>
         <p:spPr>
           <a:xfrm>
-            <a:off x="7654171" y="2629749"/>
-            <a:ext cx="6427693" cy="3867965"/>
+            <a:off x="7654172" y="3682228"/>
+            <a:ext cx="6427693" cy="5416003"/>
           </a:xfrm>
         </p:spPr>
         <p:txBody>
@@ -1603,7 +1606,7 @@
           <a:p>
             <a:fld id="{F86A943B-CE53-490B-99DE-9227ACE8B16B}" type="datetimeFigureOut">
               <a:rPr lang="en-GB" smtClean="0"/>
-              <a:t>16/10/2016</a:t>
+              <a:t>21/10/2016</a:t>
             </a:fld>
             <a:endParaRPr lang="en-GB"/>
           </a:p>
@@ -1654,7 +1657,7 @@
     </p:spTree>
     <p:extLst>
       <p:ext uri="{BB962C8B-B14F-4D97-AF65-F5344CB8AC3E}">
-        <p14:creationId xmlns:p14="http://schemas.microsoft.com/office/powerpoint/2010/main" val="3945432844"/>
+        <p14:creationId xmlns:p14="http://schemas.microsoft.com/office/powerpoint/2010/main" val="1109084969"/>
       </p:ext>
     </p:extLst>
   </p:cSld>
@@ -1721,7 +1724,7 @@
           <a:p>
             <a:fld id="{F86A943B-CE53-490B-99DE-9227ACE8B16B}" type="datetimeFigureOut">
               <a:rPr lang="en-GB" smtClean="0"/>
-              <a:t>16/10/2016</a:t>
+              <a:t>21/10/2016</a:t>
             </a:fld>
             <a:endParaRPr lang="en-GB"/>
           </a:p>
@@ -1772,7 +1775,7 @@
     </p:spTree>
     <p:extLst>
       <p:ext uri="{BB962C8B-B14F-4D97-AF65-F5344CB8AC3E}">
-        <p14:creationId xmlns:p14="http://schemas.microsoft.com/office/powerpoint/2010/main" val="1797272726"/>
+        <p14:creationId xmlns:p14="http://schemas.microsoft.com/office/powerpoint/2010/main" val="1317445217"/>
       </p:ext>
     </p:extLst>
   </p:cSld>
@@ -1816,7 +1819,7 @@
           <a:p>
             <a:fld id="{F86A943B-CE53-490B-99DE-9227ACE8B16B}" type="datetimeFigureOut">
               <a:rPr lang="en-GB" smtClean="0"/>
-              <a:t>16/10/2016</a:t>
+              <a:t>21/10/2016</a:t>
             </a:fld>
             <a:endParaRPr lang="en-GB"/>
           </a:p>
@@ -1867,7 +1870,7 @@
     </p:spTree>
     <p:extLst>
       <p:ext uri="{BB962C8B-B14F-4D97-AF65-F5344CB8AC3E}">
-        <p14:creationId xmlns:p14="http://schemas.microsoft.com/office/powerpoint/2010/main" val="2622637529"/>
+        <p14:creationId xmlns:p14="http://schemas.microsoft.com/office/powerpoint/2010/main" val="1664803995"/>
       </p:ext>
     </p:extLst>
   </p:cSld>
@@ -1906,15 +1909,15 @@
         </p:nvSpPr>
         <p:spPr>
           <a:xfrm>
-            <a:off x="1041425" y="479954"/>
-            <a:ext cx="4876383" cy="1679840"/>
+            <a:off x="1041425" y="672042"/>
+            <a:ext cx="4876384" cy="2352146"/>
           </a:xfrm>
         </p:spPr>
         <p:txBody>
           <a:bodyPr anchor="b"/>
           <a:lstStyle>
             <a:lvl1pPr>
-              <a:defRPr sz="3359"/>
+              <a:defRPr sz="4704"/>
             </a:lvl1pPr>
           </a:lstStyle>
           <a:p>
@@ -1938,39 +1941,39 @@
         </p:nvSpPr>
         <p:spPr>
           <a:xfrm>
-            <a:off x="6427693" y="1036569"/>
-            <a:ext cx="7654171" cy="5116178"/>
+            <a:off x="6427693" y="1451426"/>
+            <a:ext cx="7654171" cy="7163777"/>
           </a:xfrm>
         </p:spPr>
         <p:txBody>
           <a:bodyPr/>
           <a:lstStyle>
             <a:lvl1pPr>
-              <a:defRPr sz="3359"/>
+              <a:defRPr sz="4704"/>
             </a:lvl1pPr>
             <a:lvl2pPr>
-              <a:defRPr sz="2939"/>
+              <a:defRPr sz="4116"/>
             </a:lvl2pPr>
             <a:lvl3pPr>
-              <a:defRPr sz="2520"/>
+              <a:defRPr sz="3528"/>
             </a:lvl3pPr>
             <a:lvl4pPr>
-              <a:defRPr sz="2100"/>
+              <a:defRPr sz="2940"/>
             </a:lvl4pPr>
             <a:lvl5pPr>
-              <a:defRPr sz="2100"/>
+              <a:defRPr sz="2940"/>
             </a:lvl5pPr>
             <a:lvl6pPr>
-              <a:defRPr sz="2100"/>
+              <a:defRPr sz="2940"/>
             </a:lvl6pPr>
             <a:lvl7pPr>
-              <a:defRPr sz="2100"/>
+              <a:defRPr sz="2940"/>
             </a:lvl7pPr>
             <a:lvl8pPr>
-              <a:defRPr sz="2100"/>
+              <a:defRPr sz="2940"/>
             </a:lvl8pPr>
             <a:lvl9pPr>
-              <a:defRPr sz="2100"/>
+              <a:defRPr sz="2940"/>
             </a:lvl9pPr>
           </a:lstStyle>
           <a:p>
@@ -2023,8 +2026,8 @@
         </p:nvSpPr>
         <p:spPr>
           <a:xfrm>
-            <a:off x="1041425" y="2159794"/>
-            <a:ext cx="4876383" cy="4001285"/>
+            <a:off x="1041425" y="3024188"/>
+            <a:ext cx="4876384" cy="5602681"/>
           </a:xfrm>
         </p:spPr>
         <p:txBody>
@@ -2032,39 +2035,39 @@
           <a:lstStyle>
             <a:lvl1pPr marL="0" indent="0">
               <a:buNone/>
-              <a:defRPr sz="1680"/>
+              <a:defRPr sz="2352"/>
             </a:lvl1pPr>
-            <a:lvl2pPr marL="479969" indent="0">
+            <a:lvl2pPr marL="672038" indent="0">
+              <a:buNone/>
+              <a:defRPr sz="2058"/>
+            </a:lvl2pPr>
+            <a:lvl3pPr marL="1344077" indent="0">
+              <a:buNone/>
+              <a:defRPr sz="1764"/>
+            </a:lvl3pPr>
+            <a:lvl4pPr marL="2016115" indent="0">
               <a:buNone/>
               <a:defRPr sz="1470"/>
-            </a:lvl2pPr>
-            <a:lvl3pPr marL="959937" indent="0">
-              <a:buNone/>
-              <a:defRPr sz="1260"/>
-            </a:lvl3pPr>
-            <a:lvl4pPr marL="1439906" indent="0">
-              <a:buNone/>
-              <a:defRPr sz="1050"/>
             </a:lvl4pPr>
-            <a:lvl5pPr marL="1919874" indent="0">
-              <a:buNone/>
-              <a:defRPr sz="1050"/>
+            <a:lvl5pPr marL="2688153" indent="0">
+              <a:buNone/>
+              <a:defRPr sz="1470"/>
             </a:lvl5pPr>
-            <a:lvl6pPr marL="2399843" indent="0">
-              <a:buNone/>
-              <a:defRPr sz="1050"/>
+            <a:lvl6pPr marL="3360191" indent="0">
+              <a:buNone/>
+              <a:defRPr sz="1470"/>
             </a:lvl6pPr>
-            <a:lvl7pPr marL="2879811" indent="0">
-              <a:buNone/>
-              <a:defRPr sz="1050"/>
+            <a:lvl7pPr marL="4032230" indent="0">
+              <a:buNone/>
+              <a:defRPr sz="1470"/>
             </a:lvl7pPr>
-            <a:lvl8pPr marL="3359780" indent="0">
-              <a:buNone/>
-              <a:defRPr sz="1050"/>
+            <a:lvl8pPr marL="4704268" indent="0">
+              <a:buNone/>
+              <a:defRPr sz="1470"/>
             </a:lvl8pPr>
-            <a:lvl9pPr marL="3839748" indent="0">
-              <a:buNone/>
-              <a:defRPr sz="1050"/>
+            <a:lvl9pPr marL="5376306" indent="0">
+              <a:buNone/>
+              <a:defRPr sz="1470"/>
             </a:lvl9pPr>
           </a:lstStyle>
           <a:p>
@@ -2093,7 +2096,7 @@
           <a:p>
             <a:fld id="{F86A943B-CE53-490B-99DE-9227ACE8B16B}" type="datetimeFigureOut">
               <a:rPr lang="en-GB" smtClean="0"/>
-              <a:t>16/10/2016</a:t>
+              <a:t>21/10/2016</a:t>
             </a:fld>
             <a:endParaRPr lang="en-GB"/>
           </a:p>
@@ -2144,7 +2147,7 @@
     </p:spTree>
     <p:extLst>
       <p:ext uri="{BB962C8B-B14F-4D97-AF65-F5344CB8AC3E}">
-        <p14:creationId xmlns:p14="http://schemas.microsoft.com/office/powerpoint/2010/main" val="3196504188"/>
+        <p14:creationId xmlns:p14="http://schemas.microsoft.com/office/powerpoint/2010/main" val="337511977"/>
       </p:ext>
     </p:extLst>
   </p:cSld>
@@ -2183,15 +2186,15 @@
         </p:nvSpPr>
         <p:spPr>
           <a:xfrm>
-            <a:off x="1041425" y="479954"/>
-            <a:ext cx="4876383" cy="1679840"/>
+            <a:off x="1041425" y="672042"/>
+            <a:ext cx="4876384" cy="2352146"/>
           </a:xfrm>
         </p:spPr>
         <p:txBody>
           <a:bodyPr anchor="b"/>
           <a:lstStyle>
             <a:lvl1pPr>
-              <a:defRPr sz="3359"/>
+              <a:defRPr sz="4704"/>
             </a:lvl1pPr>
           </a:lstStyle>
           <a:p>
@@ -2215,8 +2218,8 @@
         </p:nvSpPr>
         <p:spPr>
           <a:xfrm>
-            <a:off x="6427693" y="1036569"/>
-            <a:ext cx="7654171" cy="5116178"/>
+            <a:off x="6427693" y="1451426"/>
+            <a:ext cx="7654171" cy="7163777"/>
           </a:xfrm>
         </p:spPr>
         <p:txBody>
@@ -2224,39 +2227,39 @@
           <a:lstStyle>
             <a:lvl1pPr marL="0" indent="0">
               <a:buNone/>
-              <a:defRPr sz="3359"/>
+              <a:defRPr sz="4704"/>
             </a:lvl1pPr>
-            <a:lvl2pPr marL="479969" indent="0">
-              <a:buNone/>
-              <a:defRPr sz="2939"/>
+            <a:lvl2pPr marL="672038" indent="0">
+              <a:buNone/>
+              <a:defRPr sz="4116"/>
             </a:lvl2pPr>
-            <a:lvl3pPr marL="959937" indent="0">
-              <a:buNone/>
-              <a:defRPr sz="2520"/>
+            <a:lvl3pPr marL="1344077" indent="0">
+              <a:buNone/>
+              <a:defRPr sz="3528"/>
             </a:lvl3pPr>
-            <a:lvl4pPr marL="1439906" indent="0">
-              <a:buNone/>
-              <a:defRPr sz="2100"/>
+            <a:lvl4pPr marL="2016115" indent="0">
+              <a:buNone/>
+              <a:defRPr sz="2940"/>
             </a:lvl4pPr>
-            <a:lvl5pPr marL="1919874" indent="0">
-              <a:buNone/>
-              <a:defRPr sz="2100"/>
+            <a:lvl5pPr marL="2688153" indent="0">
+              <a:buNone/>
+              <a:defRPr sz="2940"/>
             </a:lvl5pPr>
-            <a:lvl6pPr marL="2399843" indent="0">
-              <a:buNone/>
-              <a:defRPr sz="2100"/>
+            <a:lvl6pPr marL="3360191" indent="0">
+              <a:buNone/>
+              <a:defRPr sz="2940"/>
             </a:lvl6pPr>
-            <a:lvl7pPr marL="2879811" indent="0">
-              <a:buNone/>
-              <a:defRPr sz="2100"/>
+            <a:lvl7pPr marL="4032230" indent="0">
+              <a:buNone/>
+              <a:defRPr sz="2940"/>
             </a:lvl7pPr>
-            <a:lvl8pPr marL="3359780" indent="0">
-              <a:buNone/>
-              <a:defRPr sz="2100"/>
+            <a:lvl8pPr marL="4704268" indent="0">
+              <a:buNone/>
+              <a:defRPr sz="2940"/>
             </a:lvl8pPr>
-            <a:lvl9pPr marL="3839748" indent="0">
-              <a:buNone/>
-              <a:defRPr sz="2100"/>
+            <a:lvl9pPr marL="5376306" indent="0">
+              <a:buNone/>
+              <a:defRPr sz="2940"/>
             </a:lvl9pPr>
           </a:lstStyle>
           <a:p>
@@ -2280,8 +2283,8 @@
         </p:nvSpPr>
         <p:spPr>
           <a:xfrm>
-            <a:off x="1041425" y="2159794"/>
-            <a:ext cx="4876383" cy="4001285"/>
+            <a:off x="1041425" y="3024188"/>
+            <a:ext cx="4876384" cy="5602681"/>
           </a:xfrm>
         </p:spPr>
         <p:txBody>
@@ -2289,39 +2292,39 @@
           <a:lstStyle>
             <a:lvl1pPr marL="0" indent="0">
               <a:buNone/>
-              <a:defRPr sz="1680"/>
+              <a:defRPr sz="2352"/>
             </a:lvl1pPr>
-            <a:lvl2pPr marL="479969" indent="0">
+            <a:lvl2pPr marL="672038" indent="0">
+              <a:buNone/>
+              <a:defRPr sz="2058"/>
+            </a:lvl2pPr>
+            <a:lvl3pPr marL="1344077" indent="0">
+              <a:buNone/>
+              <a:defRPr sz="1764"/>
+            </a:lvl3pPr>
+            <a:lvl4pPr marL="2016115" indent="0">
               <a:buNone/>
               <a:defRPr sz="1470"/>
-            </a:lvl2pPr>
-            <a:lvl3pPr marL="959937" indent="0">
-              <a:buNone/>
-              <a:defRPr sz="1260"/>
-            </a:lvl3pPr>
-            <a:lvl4pPr marL="1439906" indent="0">
-              <a:buNone/>
-              <a:defRPr sz="1050"/>
             </a:lvl4pPr>
-            <a:lvl5pPr marL="1919874" indent="0">
-              <a:buNone/>
-              <a:defRPr sz="1050"/>
+            <a:lvl5pPr marL="2688153" indent="0">
+              <a:buNone/>
+              <a:defRPr sz="1470"/>
             </a:lvl5pPr>
-            <a:lvl6pPr marL="2399843" indent="0">
-              <a:buNone/>
-              <a:defRPr sz="1050"/>
+            <a:lvl6pPr marL="3360191" indent="0">
+              <a:buNone/>
+              <a:defRPr sz="1470"/>
             </a:lvl6pPr>
-            <a:lvl7pPr marL="2879811" indent="0">
-              <a:buNone/>
-              <a:defRPr sz="1050"/>
+            <a:lvl7pPr marL="4032230" indent="0">
+              <a:buNone/>
+              <a:defRPr sz="1470"/>
             </a:lvl7pPr>
-            <a:lvl8pPr marL="3359780" indent="0">
-              <a:buNone/>
-              <a:defRPr sz="1050"/>
+            <a:lvl8pPr marL="4704268" indent="0">
+              <a:buNone/>
+              <a:defRPr sz="1470"/>
             </a:lvl8pPr>
-            <a:lvl9pPr marL="3839748" indent="0">
-              <a:buNone/>
-              <a:defRPr sz="1050"/>
+            <a:lvl9pPr marL="5376306" indent="0">
+              <a:buNone/>
+              <a:defRPr sz="1470"/>
             </a:lvl9pPr>
           </a:lstStyle>
           <a:p>
@@ -2350,7 +2353,7 @@
           <a:p>
             <a:fld id="{F86A943B-CE53-490B-99DE-9227ACE8B16B}" type="datetimeFigureOut">
               <a:rPr lang="en-GB" smtClean="0"/>
-              <a:t>16/10/2016</a:t>
+              <a:t>21/10/2016</a:t>
             </a:fld>
             <a:endParaRPr lang="en-GB"/>
           </a:p>
@@ -2401,7 +2404,7 @@
     </p:spTree>
     <p:extLst>
       <p:ext uri="{BB962C8B-B14F-4D97-AF65-F5344CB8AC3E}">
-        <p14:creationId xmlns:p14="http://schemas.microsoft.com/office/powerpoint/2010/main" val="4011071171"/>
+        <p14:creationId xmlns:p14="http://schemas.microsoft.com/office/powerpoint/2010/main" val="3310048083"/>
       </p:ext>
     </p:extLst>
   </p:cSld>
@@ -2445,8 +2448,8 @@
         </p:nvSpPr>
         <p:spPr>
           <a:xfrm>
-            <a:off x="1039456" y="383297"/>
-            <a:ext cx="13040439" cy="1391534"/>
+            <a:off x="1039456" y="536702"/>
+            <a:ext cx="13040439" cy="1948455"/>
           </a:xfrm>
           <a:prstGeom prst="rect">
             <a:avLst/>
@@ -2478,8 +2481,8 @@
         </p:nvSpPr>
         <p:spPr>
           <a:xfrm>
-            <a:off x="1039456" y="1916484"/>
-            <a:ext cx="13040439" cy="4567898"/>
+            <a:off x="1039456" y="2683500"/>
+            <a:ext cx="13040439" cy="6396064"/>
           </a:xfrm>
           <a:prstGeom prst="rect">
             <a:avLst/>
@@ -2540,8 +2543,8 @@
         </p:nvSpPr>
         <p:spPr>
           <a:xfrm>
-            <a:off x="1039455" y="6672697"/>
-            <a:ext cx="3401854" cy="383297"/>
+            <a:off x="1039455" y="9343248"/>
+            <a:ext cx="3401854" cy="536700"/>
           </a:xfrm>
           <a:prstGeom prst="rect">
             <a:avLst/>
@@ -2551,7 +2554,7 @@
           <a:bodyPr vert="horz" lIns="91440" tIns="45720" rIns="91440" bIns="45720" rtlCol="0" anchor="ctr"/>
           <a:lstStyle>
             <a:lvl1pPr algn="l">
-              <a:defRPr sz="1260">
+              <a:defRPr sz="1764">
                 <a:solidFill>
                   <a:schemeClr val="tx1">
                     <a:tint val="75000"/>
@@ -2563,7 +2566,7 @@
           <a:p>
             <a:fld id="{F86A943B-CE53-490B-99DE-9227ACE8B16B}" type="datetimeFigureOut">
               <a:rPr lang="en-GB" smtClean="0"/>
-              <a:t>16/10/2016</a:t>
+              <a:t>21/10/2016</a:t>
             </a:fld>
             <a:endParaRPr lang="en-GB"/>
           </a:p>
@@ -2581,8 +2584,8 @@
         </p:nvSpPr>
         <p:spPr>
           <a:xfrm>
-            <a:off x="5008285" y="6672697"/>
-            <a:ext cx="5102781" cy="383297"/>
+            <a:off x="5008285" y="9343248"/>
+            <a:ext cx="5102781" cy="536700"/>
           </a:xfrm>
           <a:prstGeom prst="rect">
             <a:avLst/>
@@ -2592,7 +2595,7 @@
           <a:bodyPr vert="horz" lIns="91440" tIns="45720" rIns="91440" bIns="45720" rtlCol="0" anchor="ctr"/>
           <a:lstStyle>
             <a:lvl1pPr algn="ctr">
-              <a:defRPr sz="1260">
+              <a:defRPr sz="1764">
                 <a:solidFill>
                   <a:schemeClr val="tx1">
                     <a:tint val="75000"/>
@@ -2618,8 +2621,8 @@
         </p:nvSpPr>
         <p:spPr>
           <a:xfrm>
-            <a:off x="10678041" y="6672697"/>
-            <a:ext cx="3401854" cy="383297"/>
+            <a:off x="10678041" y="9343248"/>
+            <a:ext cx="3401854" cy="536700"/>
           </a:xfrm>
           <a:prstGeom prst="rect">
             <a:avLst/>
@@ -2629,7 +2632,7 @@
           <a:bodyPr vert="horz" lIns="91440" tIns="45720" rIns="91440" bIns="45720" rtlCol="0" anchor="ctr"/>
           <a:lstStyle>
             <a:lvl1pPr algn="r">
-              <a:defRPr sz="1260">
+              <a:defRPr sz="1764">
                 <a:solidFill>
                   <a:schemeClr val="tx1">
                     <a:tint val="75000"/>
@@ -2650,27 +2653,27 @@
     </p:spTree>
     <p:extLst>
       <p:ext uri="{BB962C8B-B14F-4D97-AF65-F5344CB8AC3E}">
-        <p14:creationId xmlns:p14="http://schemas.microsoft.com/office/powerpoint/2010/main" val="1266481908"/>
+        <p14:creationId xmlns:p14="http://schemas.microsoft.com/office/powerpoint/2010/main" val="650073607"/>
       </p:ext>
     </p:extLst>
   </p:cSld>
   <p:clrMap bg1="lt1" tx1="dk1" bg2="lt2" tx2="dk2" accent1="accent1" accent2="accent2" accent3="accent3" accent4="accent4" accent5="accent5" accent6="accent6" hlink="hlink" folHlink="folHlink"/>
   <p:sldLayoutIdLst>
-    <p:sldLayoutId id="2147483673" r:id="rId1"/>
-    <p:sldLayoutId id="2147483674" r:id="rId2"/>
-    <p:sldLayoutId id="2147483675" r:id="rId3"/>
-    <p:sldLayoutId id="2147483676" r:id="rId4"/>
-    <p:sldLayoutId id="2147483677" r:id="rId5"/>
-    <p:sldLayoutId id="2147483678" r:id="rId6"/>
-    <p:sldLayoutId id="2147483679" r:id="rId7"/>
-    <p:sldLayoutId id="2147483680" r:id="rId8"/>
-    <p:sldLayoutId id="2147483681" r:id="rId9"/>
-    <p:sldLayoutId id="2147483682" r:id="rId10"/>
-    <p:sldLayoutId id="2147483683" r:id="rId11"/>
+    <p:sldLayoutId id="2147483685" r:id="rId1"/>
+    <p:sldLayoutId id="2147483686" r:id="rId2"/>
+    <p:sldLayoutId id="2147483687" r:id="rId3"/>
+    <p:sldLayoutId id="2147483688" r:id="rId4"/>
+    <p:sldLayoutId id="2147483689" r:id="rId5"/>
+    <p:sldLayoutId id="2147483690" r:id="rId6"/>
+    <p:sldLayoutId id="2147483691" r:id="rId7"/>
+    <p:sldLayoutId id="2147483692" r:id="rId8"/>
+    <p:sldLayoutId id="2147483693" r:id="rId9"/>
+    <p:sldLayoutId id="2147483694" r:id="rId10"/>
+    <p:sldLayoutId id="2147483695" r:id="rId11"/>
   </p:sldLayoutIdLst>
   <p:txStyles>
     <p:titleStyle>
-      <a:lvl1pPr algn="l" defTabSz="959937" rtl="0" eaLnBrk="1" latinLnBrk="0" hangingPunct="1">
+      <a:lvl1pPr algn="l" defTabSz="1344077" rtl="0" eaLnBrk="1" latinLnBrk="0" hangingPunct="1">
         <a:lnSpc>
           <a:spcPct val="90000"/>
         </a:lnSpc>
@@ -2678,7 +2681,7 @@
           <a:spcPct val="0"/>
         </a:spcBef>
         <a:buNone/>
-        <a:defRPr sz="4619" kern="1200">
+        <a:defRPr sz="6468" kern="1200">
           <a:solidFill>
             <a:schemeClr val="tx1"/>
           </a:solidFill>
@@ -2689,16 +2692,16 @@
       </a:lvl1pPr>
     </p:titleStyle>
     <p:bodyStyle>
-      <a:lvl1pPr marL="239984" indent="-239984" algn="l" defTabSz="959937" rtl="0" eaLnBrk="1" latinLnBrk="0" hangingPunct="1">
+      <a:lvl1pPr marL="336019" indent="-336019" algn="l" defTabSz="1344077" rtl="0" eaLnBrk="1" latinLnBrk="0" hangingPunct="1">
         <a:lnSpc>
           <a:spcPct val="90000"/>
         </a:lnSpc>
         <a:spcBef>
-          <a:spcPts val="1050"/>
+          <a:spcPts val="1470"/>
         </a:spcBef>
         <a:buFont typeface="Arial" panose="020B0604020202020204" pitchFamily="34" charset="0"/>
         <a:buChar char="•"/>
-        <a:defRPr sz="2939" kern="1200">
+        <a:defRPr sz="4116" kern="1200">
           <a:solidFill>
             <a:schemeClr val="tx1"/>
           </a:solidFill>
@@ -2707,16 +2710,16 @@
           <a:cs typeface="+mn-cs"/>
         </a:defRPr>
       </a:lvl1pPr>
-      <a:lvl2pPr marL="719953" indent="-239984" algn="l" defTabSz="959937" rtl="0" eaLnBrk="1" latinLnBrk="0" hangingPunct="1">
+      <a:lvl2pPr marL="1008057" indent="-336019" algn="l" defTabSz="1344077" rtl="0" eaLnBrk="1" latinLnBrk="0" hangingPunct="1">
         <a:lnSpc>
           <a:spcPct val="90000"/>
         </a:lnSpc>
         <a:spcBef>
-          <a:spcPts val="525"/>
+          <a:spcPts val="735"/>
         </a:spcBef>
         <a:buFont typeface="Arial" panose="020B0604020202020204" pitchFamily="34" charset="0"/>
         <a:buChar char="•"/>
-        <a:defRPr sz="2520" kern="1200">
+        <a:defRPr sz="3528" kern="1200">
           <a:solidFill>
             <a:schemeClr val="tx1"/>
           </a:solidFill>
@@ -2725,16 +2728,16 @@
           <a:cs typeface="+mn-cs"/>
         </a:defRPr>
       </a:lvl2pPr>
-      <a:lvl3pPr marL="1199921" indent="-239984" algn="l" defTabSz="959937" rtl="0" eaLnBrk="1" latinLnBrk="0" hangingPunct="1">
+      <a:lvl3pPr marL="1680096" indent="-336019" algn="l" defTabSz="1344077" rtl="0" eaLnBrk="1" latinLnBrk="0" hangingPunct="1">
         <a:lnSpc>
           <a:spcPct val="90000"/>
         </a:lnSpc>
         <a:spcBef>
-          <a:spcPts val="525"/>
+          <a:spcPts val="735"/>
         </a:spcBef>
         <a:buFont typeface="Arial" panose="020B0604020202020204" pitchFamily="34" charset="0"/>
         <a:buChar char="•"/>
-        <a:defRPr sz="2100" kern="1200">
+        <a:defRPr sz="2940" kern="1200">
           <a:solidFill>
             <a:schemeClr val="tx1"/>
           </a:solidFill>
@@ -2743,16 +2746,16 @@
           <a:cs typeface="+mn-cs"/>
         </a:defRPr>
       </a:lvl3pPr>
-      <a:lvl4pPr marL="1679890" indent="-239984" algn="l" defTabSz="959937" rtl="0" eaLnBrk="1" latinLnBrk="0" hangingPunct="1">
+      <a:lvl4pPr marL="2352134" indent="-336019" algn="l" defTabSz="1344077" rtl="0" eaLnBrk="1" latinLnBrk="0" hangingPunct="1">
         <a:lnSpc>
           <a:spcPct val="90000"/>
         </a:lnSpc>
         <a:spcBef>
-          <a:spcPts val="525"/>
+          <a:spcPts val="735"/>
         </a:spcBef>
         <a:buFont typeface="Arial" panose="020B0604020202020204" pitchFamily="34" charset="0"/>
         <a:buChar char="•"/>
-        <a:defRPr sz="1890" kern="1200">
+        <a:defRPr sz="2646" kern="1200">
           <a:solidFill>
             <a:schemeClr val="tx1"/>
           </a:solidFill>
@@ -2761,16 +2764,16 @@
           <a:cs typeface="+mn-cs"/>
         </a:defRPr>
       </a:lvl4pPr>
-      <a:lvl5pPr marL="2159859" indent="-239984" algn="l" defTabSz="959937" rtl="0" eaLnBrk="1" latinLnBrk="0" hangingPunct="1">
+      <a:lvl5pPr marL="3024172" indent="-336019" algn="l" defTabSz="1344077" rtl="0" eaLnBrk="1" latinLnBrk="0" hangingPunct="1">
         <a:lnSpc>
           <a:spcPct val="90000"/>
         </a:lnSpc>
         <a:spcBef>
-          <a:spcPts val="525"/>
+          <a:spcPts val="735"/>
         </a:spcBef>
         <a:buFont typeface="Arial" panose="020B0604020202020204" pitchFamily="34" charset="0"/>
         <a:buChar char="•"/>
-        <a:defRPr sz="1890" kern="1200">
+        <a:defRPr sz="2646" kern="1200">
           <a:solidFill>
             <a:schemeClr val="tx1"/>
           </a:solidFill>
@@ -2779,16 +2782,16 @@
           <a:cs typeface="+mn-cs"/>
         </a:defRPr>
       </a:lvl5pPr>
-      <a:lvl6pPr marL="2639827" indent="-239984" algn="l" defTabSz="959937" rtl="0" eaLnBrk="1" latinLnBrk="0" hangingPunct="1">
+      <a:lvl6pPr marL="3696211" indent="-336019" algn="l" defTabSz="1344077" rtl="0" eaLnBrk="1" latinLnBrk="0" hangingPunct="1">
         <a:lnSpc>
           <a:spcPct val="90000"/>
         </a:lnSpc>
         <a:spcBef>
-          <a:spcPts val="525"/>
+          <a:spcPts val="735"/>
         </a:spcBef>
         <a:buFont typeface="Arial" panose="020B0604020202020204" pitchFamily="34" charset="0"/>
         <a:buChar char="•"/>
-        <a:defRPr sz="1890" kern="1200">
+        <a:defRPr sz="2646" kern="1200">
           <a:solidFill>
             <a:schemeClr val="tx1"/>
           </a:solidFill>
@@ -2797,16 +2800,16 @@
           <a:cs typeface="+mn-cs"/>
         </a:defRPr>
       </a:lvl6pPr>
-      <a:lvl7pPr marL="3119796" indent="-239984" algn="l" defTabSz="959937" rtl="0" eaLnBrk="1" latinLnBrk="0" hangingPunct="1">
+      <a:lvl7pPr marL="4368249" indent="-336019" algn="l" defTabSz="1344077" rtl="0" eaLnBrk="1" latinLnBrk="0" hangingPunct="1">
         <a:lnSpc>
           <a:spcPct val="90000"/>
         </a:lnSpc>
         <a:spcBef>
-          <a:spcPts val="525"/>
+          <a:spcPts val="735"/>
         </a:spcBef>
         <a:buFont typeface="Arial" panose="020B0604020202020204" pitchFamily="34" charset="0"/>
         <a:buChar char="•"/>
-        <a:defRPr sz="1890" kern="1200">
+        <a:defRPr sz="2646" kern="1200">
           <a:solidFill>
             <a:schemeClr val="tx1"/>
           </a:solidFill>
@@ -2815,16 +2818,16 @@
           <a:cs typeface="+mn-cs"/>
         </a:defRPr>
       </a:lvl7pPr>
-      <a:lvl8pPr marL="3599764" indent="-239984" algn="l" defTabSz="959937" rtl="0" eaLnBrk="1" latinLnBrk="0" hangingPunct="1">
+      <a:lvl8pPr marL="5040287" indent="-336019" algn="l" defTabSz="1344077" rtl="0" eaLnBrk="1" latinLnBrk="0" hangingPunct="1">
         <a:lnSpc>
           <a:spcPct val="90000"/>
         </a:lnSpc>
         <a:spcBef>
-          <a:spcPts val="525"/>
+          <a:spcPts val="735"/>
         </a:spcBef>
         <a:buFont typeface="Arial" panose="020B0604020202020204" pitchFamily="34" charset="0"/>
         <a:buChar char="•"/>
-        <a:defRPr sz="1890" kern="1200">
+        <a:defRPr sz="2646" kern="1200">
           <a:solidFill>
             <a:schemeClr val="tx1"/>
           </a:solidFill>
@@ -2833,16 +2836,16 @@
           <a:cs typeface="+mn-cs"/>
         </a:defRPr>
       </a:lvl8pPr>
-      <a:lvl9pPr marL="4079733" indent="-239984" algn="l" defTabSz="959937" rtl="0" eaLnBrk="1" latinLnBrk="0" hangingPunct="1">
+      <a:lvl9pPr marL="5712325" indent="-336019" algn="l" defTabSz="1344077" rtl="0" eaLnBrk="1" latinLnBrk="0" hangingPunct="1">
         <a:lnSpc>
           <a:spcPct val="90000"/>
         </a:lnSpc>
         <a:spcBef>
-          <a:spcPts val="525"/>
+          <a:spcPts val="735"/>
         </a:spcBef>
         <a:buFont typeface="Arial" panose="020B0604020202020204" pitchFamily="34" charset="0"/>
         <a:buChar char="•"/>
-        <a:defRPr sz="1890" kern="1200">
+        <a:defRPr sz="2646" kern="1200">
           <a:solidFill>
             <a:schemeClr val="tx1"/>
           </a:solidFill>
@@ -2856,8 +2859,8 @@
       <a:defPPr>
         <a:defRPr lang="en-US"/>
       </a:defPPr>
-      <a:lvl1pPr marL="0" algn="l" defTabSz="959937" rtl="0" eaLnBrk="1" latinLnBrk="0" hangingPunct="1">
-        <a:defRPr sz="1890" kern="1200">
+      <a:lvl1pPr marL="0" algn="l" defTabSz="1344077" rtl="0" eaLnBrk="1" latinLnBrk="0" hangingPunct="1">
+        <a:defRPr sz="2646" kern="1200">
           <a:solidFill>
             <a:schemeClr val="tx1"/>
           </a:solidFill>
@@ -2866,8 +2869,8 @@
           <a:cs typeface="+mn-cs"/>
         </a:defRPr>
       </a:lvl1pPr>
-      <a:lvl2pPr marL="479969" algn="l" defTabSz="959937" rtl="0" eaLnBrk="1" latinLnBrk="0" hangingPunct="1">
-        <a:defRPr sz="1890" kern="1200">
+      <a:lvl2pPr marL="672038" algn="l" defTabSz="1344077" rtl="0" eaLnBrk="1" latinLnBrk="0" hangingPunct="1">
+        <a:defRPr sz="2646" kern="1200">
           <a:solidFill>
             <a:schemeClr val="tx1"/>
           </a:solidFill>
@@ -2876,8 +2879,8 @@
           <a:cs typeface="+mn-cs"/>
         </a:defRPr>
       </a:lvl2pPr>
-      <a:lvl3pPr marL="959937" algn="l" defTabSz="959937" rtl="0" eaLnBrk="1" latinLnBrk="0" hangingPunct="1">
-        <a:defRPr sz="1890" kern="1200">
+      <a:lvl3pPr marL="1344077" algn="l" defTabSz="1344077" rtl="0" eaLnBrk="1" latinLnBrk="0" hangingPunct="1">
+        <a:defRPr sz="2646" kern="1200">
           <a:solidFill>
             <a:schemeClr val="tx1"/>
           </a:solidFill>
@@ -2886,8 +2889,8 @@
           <a:cs typeface="+mn-cs"/>
         </a:defRPr>
       </a:lvl3pPr>
-      <a:lvl4pPr marL="1439906" algn="l" defTabSz="959937" rtl="0" eaLnBrk="1" latinLnBrk="0" hangingPunct="1">
-        <a:defRPr sz="1890" kern="1200">
+      <a:lvl4pPr marL="2016115" algn="l" defTabSz="1344077" rtl="0" eaLnBrk="1" latinLnBrk="0" hangingPunct="1">
+        <a:defRPr sz="2646" kern="1200">
           <a:solidFill>
             <a:schemeClr val="tx1"/>
           </a:solidFill>
@@ -2896,8 +2899,8 @@
           <a:cs typeface="+mn-cs"/>
         </a:defRPr>
       </a:lvl4pPr>
-      <a:lvl5pPr marL="1919874" algn="l" defTabSz="959937" rtl="0" eaLnBrk="1" latinLnBrk="0" hangingPunct="1">
-        <a:defRPr sz="1890" kern="1200">
+      <a:lvl5pPr marL="2688153" algn="l" defTabSz="1344077" rtl="0" eaLnBrk="1" latinLnBrk="0" hangingPunct="1">
+        <a:defRPr sz="2646" kern="1200">
           <a:solidFill>
             <a:schemeClr val="tx1"/>
           </a:solidFill>
@@ -2906,8 +2909,8 @@
           <a:cs typeface="+mn-cs"/>
         </a:defRPr>
       </a:lvl5pPr>
-      <a:lvl6pPr marL="2399843" algn="l" defTabSz="959937" rtl="0" eaLnBrk="1" latinLnBrk="0" hangingPunct="1">
-        <a:defRPr sz="1890" kern="1200">
+      <a:lvl6pPr marL="3360191" algn="l" defTabSz="1344077" rtl="0" eaLnBrk="1" latinLnBrk="0" hangingPunct="1">
+        <a:defRPr sz="2646" kern="1200">
           <a:solidFill>
             <a:schemeClr val="tx1"/>
           </a:solidFill>
@@ -2916,8 +2919,8 @@
           <a:cs typeface="+mn-cs"/>
         </a:defRPr>
       </a:lvl6pPr>
-      <a:lvl7pPr marL="2879811" algn="l" defTabSz="959937" rtl="0" eaLnBrk="1" latinLnBrk="0" hangingPunct="1">
-        <a:defRPr sz="1890" kern="1200">
+      <a:lvl7pPr marL="4032230" algn="l" defTabSz="1344077" rtl="0" eaLnBrk="1" latinLnBrk="0" hangingPunct="1">
+        <a:defRPr sz="2646" kern="1200">
           <a:solidFill>
             <a:schemeClr val="tx1"/>
           </a:solidFill>
@@ -2926,8 +2929,8 @@
           <a:cs typeface="+mn-cs"/>
         </a:defRPr>
       </a:lvl7pPr>
-      <a:lvl8pPr marL="3359780" algn="l" defTabSz="959937" rtl="0" eaLnBrk="1" latinLnBrk="0" hangingPunct="1">
-        <a:defRPr sz="1890" kern="1200">
+      <a:lvl8pPr marL="4704268" algn="l" defTabSz="1344077" rtl="0" eaLnBrk="1" latinLnBrk="0" hangingPunct="1">
+        <a:defRPr sz="2646" kern="1200">
           <a:solidFill>
             <a:schemeClr val="tx1"/>
           </a:solidFill>
@@ -2936,8 +2939,8 @@
           <a:cs typeface="+mn-cs"/>
         </a:defRPr>
       </a:lvl8pPr>
-      <a:lvl9pPr marL="3839748" algn="l" defTabSz="959937" rtl="0" eaLnBrk="1" latinLnBrk="0" hangingPunct="1">
-        <a:defRPr sz="1890" kern="1200">
+      <a:lvl9pPr marL="5376306" algn="l" defTabSz="1344077" rtl="0" eaLnBrk="1" latinLnBrk="0" hangingPunct="1">
+        <a:defRPr sz="2646" kern="1200">
           <a:solidFill>
             <a:schemeClr val="tx1"/>
           </a:solidFill>
@@ -2980,126 +2983,34 @@
         </p:nvSpPr>
         <p:spPr>
           <a:xfrm>
-            <a:off x="715170" y="226491"/>
+            <a:off x="549547" y="886479"/>
             <a:ext cx="13673251" cy="1031166"/>
           </a:xfrm>
         </p:spPr>
         <p:txBody>
-          <a:bodyPr/>
+          <a:bodyPr>
+            <a:normAutofit/>
+          </a:bodyPr>
           <a:lstStyle/>
           <a:p>
             <a:pPr algn="ctr"/>
             <a:r>
-              <a:rPr lang="en-GB" dirty="0" smtClean="0"/>
-              <a:t>Simple Search - System Sequence Diagram</a:t>
-            </a:r>
-            <a:endParaRPr lang="en-GB" dirty="0"/>
-          </a:p>
-        </p:txBody>
-      </p:sp>
-      <p:sp>
-        <p:nvSpPr>
-          <p:cNvPr id="5" name="Rectangle 4"/>
-          <p:cNvSpPr/>
-          <p:nvPr/>
-        </p:nvSpPr>
-        <p:spPr>
-          <a:xfrm>
-            <a:off x="1905063" y="1548664"/>
-            <a:ext cx="3100389" cy="742950"/>
-          </a:xfrm>
-          <a:prstGeom prst="rect">
-            <a:avLst/>
-          </a:prstGeom>
-        </p:spPr>
-        <p:style>
-          <a:lnRef idx="2">
-            <a:schemeClr val="accent1"/>
-          </a:lnRef>
-          <a:fillRef idx="1">
-            <a:schemeClr val="lt1"/>
-          </a:fillRef>
-          <a:effectRef idx="0">
-            <a:schemeClr val="accent1"/>
-          </a:effectRef>
-          <a:fontRef idx="minor">
-            <a:schemeClr val="dk1"/>
-          </a:fontRef>
-        </p:style>
-        <p:txBody>
-          <a:bodyPr rot="0" spcFirstLastPara="0" vertOverflow="overflow" horzOverflow="overflow" vert="horz" wrap="square" lIns="91440" tIns="45720" rIns="91440" bIns="45720" numCol="1" spcCol="0" rtlCol="0" fromWordArt="0" anchor="ctr" anchorCtr="0" forceAA="0" compatLnSpc="1">
-            <a:prstTxWarp prst="textNoShape">
-              <a:avLst/>
-            </a:prstTxWarp>
-            <a:noAutofit/>
-          </a:bodyPr>
-          <a:lstStyle/>
-          <a:p>
-            <a:pPr algn="ctr"/>
-            <a:r>
-              <a:rPr lang="en-GB" dirty="0"/>
-              <a:t>Primary school child (User)</a:t>
-            </a:r>
-          </a:p>
-        </p:txBody>
-      </p:sp>
-      <p:sp>
-        <p:nvSpPr>
-          <p:cNvPr id="6" name="Rectangle 5"/>
-          <p:cNvSpPr/>
-          <p:nvPr/>
-        </p:nvSpPr>
-        <p:spPr>
-          <a:xfrm>
-            <a:off x="10299720" y="1548664"/>
-            <a:ext cx="1628775" cy="742950"/>
-          </a:xfrm>
-          <a:prstGeom prst="rect">
-            <a:avLst/>
-          </a:prstGeom>
-        </p:spPr>
-        <p:style>
-          <a:lnRef idx="2">
-            <a:schemeClr val="accent1"/>
-          </a:lnRef>
-          <a:fillRef idx="1">
-            <a:schemeClr val="lt1"/>
-          </a:fillRef>
-          <a:effectRef idx="0">
-            <a:schemeClr val="accent1"/>
-          </a:effectRef>
-          <a:fontRef idx="minor">
-            <a:schemeClr val="dk1"/>
-          </a:fontRef>
-        </p:style>
-        <p:txBody>
-          <a:bodyPr rot="0" spcFirstLastPara="0" vertOverflow="overflow" horzOverflow="overflow" vert="horz" wrap="square" lIns="91440" tIns="45720" rIns="91440" bIns="45720" numCol="1" spcCol="0" rtlCol="0" fromWordArt="0" anchor="ctr" anchorCtr="0" forceAA="0" compatLnSpc="1">
-            <a:prstTxWarp prst="textNoShape">
-              <a:avLst/>
-            </a:prstTxWarp>
-            <a:noAutofit/>
-          </a:bodyPr>
-          <a:lstStyle/>
-          <a:p>
-            <a:pPr algn="ctr"/>
-            <a:r>
-              <a:rPr lang="en-GB" dirty="0"/>
-              <a:t>System</a:t>
-            </a:r>
+              <a:rPr lang="en-GB" sz="4000" b="1" u="sng" dirty="0"/>
+              <a:t>Simple Search Scenario</a:t>
+            </a:r>
+            <a:endParaRPr lang="en-GB" sz="4000" dirty="0"/>
           </a:p>
         </p:txBody>
       </p:sp>
       <p:cxnSp>
         <p:nvCxnSpPr>
           <p:cNvPr id="8" name="Straight Connector 7"/>
-          <p:cNvCxnSpPr>
-            <a:stCxn id="5" idx="2"/>
-          </p:cNvCxnSpPr>
+          <p:cNvCxnSpPr/>
           <p:nvPr/>
         </p:nvCxnSpPr>
         <p:spPr>
           <a:xfrm flipH="1">
-            <a:off x="3455257" y="2291614"/>
+            <a:off x="3455258" y="5103873"/>
             <a:ext cx="1" cy="4907699"/>
           </a:xfrm>
           <a:prstGeom prst="line">
@@ -3128,14 +3039,14 @@
         <p:nvCxnSpPr>
           <p:cNvPr id="10" name="Straight Connector 9"/>
           <p:cNvCxnSpPr>
-            <a:stCxn id="6" idx="2"/>
+            <a:stCxn id="44" idx="2"/>
           </p:cNvCxnSpPr>
           <p:nvPr/>
         </p:nvCxnSpPr>
         <p:spPr>
           <a:xfrm>
-            <a:off x="11114108" y="2291614"/>
-            <a:ext cx="0" cy="4907699"/>
+            <a:off x="11114108" y="5024308"/>
+            <a:ext cx="0" cy="4987264"/>
           </a:xfrm>
           <a:prstGeom prst="line">
             <a:avLst/>
@@ -3167,8 +3078,8 @@
         </p:nvSpPr>
         <p:spPr>
           <a:xfrm>
-            <a:off x="5610683" y="2632756"/>
-            <a:ext cx="3421064" cy="406393"/>
+            <a:off x="5610683" y="5445015"/>
+            <a:ext cx="3421064" cy="461665"/>
           </a:xfrm>
           <a:prstGeom prst="rect">
             <a:avLst/>
@@ -3183,9 +3094,10 @@
           <a:p>
             <a:pPr algn="ctr"/>
             <a:r>
-              <a:rPr lang="en-GB" dirty="0"/>
-              <a:t>Searching</a:t>
-            </a:r>
+              <a:rPr lang="en-GB" sz="2400" dirty="0" err="1" smtClean="0"/>
+              <a:t>SearchInitialisation</a:t>
+            </a:r>
+            <a:endParaRPr lang="en-GB" sz="2400" dirty="0"/>
           </a:p>
         </p:txBody>
       </p:sp>
@@ -3197,8 +3109,8 @@
         </p:nvSpPr>
         <p:spPr>
           <a:xfrm>
-            <a:off x="5315177" y="4158095"/>
-            <a:ext cx="3937200" cy="406393"/>
+            <a:off x="5315177" y="6970354"/>
+            <a:ext cx="3937200" cy="461665"/>
           </a:xfrm>
           <a:prstGeom prst="rect">
             <a:avLst/>
@@ -3213,8 +3125,8 @@
           <a:p>
             <a:pPr algn="ctr"/>
             <a:r>
-              <a:rPr lang="en-GB" dirty="0" err="1"/>
-              <a:t>show_suggestions</a:t>
+              <a:rPr lang="en-GB" sz="2400" dirty="0" err="1"/>
+              <a:t>ShowSuggestions</a:t>
             </a:r>
             <a:endParaRPr lang="en-GB" dirty="0"/>
           </a:p>
@@ -3228,8 +3140,8 @@
         </p:nvSpPr>
         <p:spPr>
           <a:xfrm>
-            <a:off x="5258206" y="3579437"/>
-            <a:ext cx="4118874" cy="406393"/>
+            <a:off x="5258206" y="6391696"/>
+            <a:ext cx="4118874" cy="461665"/>
           </a:xfrm>
           <a:prstGeom prst="rect">
             <a:avLst/>
@@ -3244,8 +3156,8 @@
           <a:p>
             <a:pPr algn="ctr"/>
             <a:r>
-              <a:rPr lang="en-GB" dirty="0" err="1"/>
-              <a:t>get_suggestions</a:t>
+              <a:rPr lang="en-GB" sz="2400" dirty="0"/>
+              <a:t>Typing</a:t>
             </a:r>
             <a:endParaRPr lang="en-GB" dirty="0"/>
           </a:p>
@@ -3259,7 +3171,7 @@
         </p:nvSpPr>
         <p:spPr>
           <a:xfrm>
-            <a:off x="2142131" y="3470169"/>
+            <a:off x="2142132" y="6282428"/>
             <a:ext cx="9592733" cy="1299361"/>
           </a:xfrm>
           <a:prstGeom prst="roundRect">
@@ -3312,7 +3224,7 @@
         </p:nvSpPr>
         <p:spPr>
           <a:xfrm>
-            <a:off x="2261374" y="3548349"/>
+            <a:off x="2261375" y="6360607"/>
             <a:ext cx="1067385" cy="299236"/>
           </a:xfrm>
           <a:prstGeom prst="roundRect">
@@ -3358,7 +3270,7 @@
         </p:nvCxnSpPr>
         <p:spPr>
           <a:xfrm>
-            <a:off x="3481983" y="5513803"/>
+            <a:off x="3481984" y="8326061"/>
             <a:ext cx="7688265" cy="0"/>
           </a:xfrm>
           <a:prstGeom prst="straightConnector1">
@@ -3391,8 +3303,8 @@
         </p:nvSpPr>
         <p:spPr>
           <a:xfrm>
-            <a:off x="5043367" y="5055561"/>
-            <a:ext cx="4548553" cy="406393"/>
+            <a:off x="5043368" y="7867820"/>
+            <a:ext cx="4548553" cy="461665"/>
           </a:xfrm>
           <a:prstGeom prst="rect">
             <a:avLst/>
@@ -3407,8 +3319,8 @@
           <a:p>
             <a:pPr algn="ctr"/>
             <a:r>
-              <a:rPr lang="en-GB" dirty="0" err="1"/>
-              <a:t>submit_search_query</a:t>
+              <a:rPr lang="en-GB" sz="2400" dirty="0" err="1"/>
+              <a:t>SubmitSearchQuery</a:t>
             </a:r>
             <a:endParaRPr lang="en-GB" dirty="0"/>
           </a:p>
@@ -3422,7 +3334,7 @@
         </p:nvCxnSpPr>
         <p:spPr>
           <a:xfrm>
-            <a:off x="3469276" y="6139276"/>
+            <a:off x="3469276" y="8951535"/>
             <a:ext cx="7684038" cy="17985"/>
           </a:xfrm>
           <a:prstGeom prst="straightConnector1">
@@ -3456,8 +3368,8 @@
         </p:nvSpPr>
         <p:spPr>
           <a:xfrm>
-            <a:off x="4015724" y="5732883"/>
-            <a:ext cx="6657628" cy="406393"/>
+            <a:off x="4015724" y="8545142"/>
+            <a:ext cx="6657628" cy="461665"/>
           </a:xfrm>
           <a:prstGeom prst="rect">
             <a:avLst/>
@@ -3472,8 +3384,8 @@
           <a:p>
             <a:pPr algn="ctr"/>
             <a:r>
-              <a:rPr lang="en-GB" dirty="0" err="1"/>
-              <a:t>show_results</a:t>
+              <a:rPr lang="en-GB" sz="2400" dirty="0" err="1"/>
+              <a:t>ShowResults</a:t>
             </a:r>
             <a:endParaRPr lang="en-GB" dirty="0"/>
           </a:p>
@@ -3487,7 +3399,7 @@
         </p:nvCxnSpPr>
         <p:spPr>
           <a:xfrm>
-            <a:off x="3503145" y="4564483"/>
+            <a:off x="3503145" y="7376742"/>
             <a:ext cx="7684038" cy="17985"/>
           </a:xfrm>
           <a:prstGeom prst="straightConnector1">
@@ -3521,7 +3433,7 @@
         </p:nvCxnSpPr>
         <p:spPr>
           <a:xfrm>
-            <a:off x="3481986" y="3972870"/>
+            <a:off x="3481987" y="6785128"/>
             <a:ext cx="7688265" cy="0"/>
           </a:xfrm>
           <a:prstGeom prst="straightConnector1">
@@ -3554,7 +3466,7 @@
         </p:nvCxnSpPr>
         <p:spPr>
           <a:xfrm>
-            <a:off x="3481989" y="3109281"/>
+            <a:off x="3481990" y="5921539"/>
             <a:ext cx="7688265" cy="0"/>
           </a:xfrm>
           <a:prstGeom prst="straightConnector1">
@@ -3581,70 +3493,75 @@
       </p:cxnSp>
       <p:sp>
         <p:nvSpPr>
-          <p:cNvPr id="33" name="TextBox 32"/>
-          <p:cNvSpPr txBox="1"/>
+          <p:cNvPr id="29" name="Rectangle 28"/>
+          <p:cNvSpPr/>
           <p:nvPr/>
         </p:nvSpPr>
         <p:spPr>
           <a:xfrm>
-            <a:off x="549547" y="2620054"/>
-            <a:ext cx="2191234" cy="720454"/>
+            <a:off x="1749285" y="4172820"/>
+            <a:ext cx="3440337" cy="742950"/>
           </a:xfrm>
           <a:prstGeom prst="rect">
             <a:avLst/>
           </a:prstGeom>
+          <a:ln>
+            <a:noFill/>
+          </a:ln>
         </p:spPr>
         <p:style>
           <a:lnRef idx="2">
-            <a:schemeClr val="dk1"/>
+            <a:schemeClr val="accent1"/>
           </a:lnRef>
           <a:fillRef idx="1">
             <a:schemeClr val="lt1"/>
           </a:fillRef>
           <a:effectRef idx="0">
-            <a:schemeClr val="dk1"/>
+            <a:schemeClr val="accent1"/>
           </a:effectRef>
           <a:fontRef idx="minor">
             <a:schemeClr val="dk1"/>
           </a:fontRef>
         </p:style>
         <p:txBody>
-          <a:bodyPr wrap="square" rtlCol="0">
-            <a:spAutoFit/>
+          <a:bodyPr rot="0" spcFirstLastPara="0" vertOverflow="overflow" horzOverflow="overflow" vert="horz" wrap="square" lIns="91440" tIns="45720" rIns="91440" bIns="45720" numCol="1" spcCol="0" rtlCol="0" fromWordArt="0" anchor="ctr" anchorCtr="0" forceAA="0" compatLnSpc="1">
+            <a:prstTxWarp prst="textNoShape">
+              <a:avLst/>
+            </a:prstTxWarp>
+            <a:noAutofit/>
           </a:bodyPr>
           <a:lstStyle/>
           <a:p>
             <a:pPr algn="ctr"/>
             <a:r>
-              <a:rPr lang="en-GB" dirty="0"/>
-              <a:t>Click on the Search input field</a:t>
+              <a:rPr lang="en-GB" sz="2400"/>
+              <a:t>Primary </a:t>
+            </a:r>
+            <a:r>
+              <a:rPr lang="en-GB" sz="2400" smtClean="0"/>
+              <a:t>School Child </a:t>
+            </a:r>
+            <a:r>
+              <a:rPr lang="en-GB" sz="2400" dirty="0"/>
+              <a:t>(User)</a:t>
             </a:r>
           </a:p>
         </p:txBody>
       </p:sp>
       <p:cxnSp>
         <p:nvCxnSpPr>
-          <p:cNvPr id="35" name="Curved Connector 34"/>
-          <p:cNvCxnSpPr>
-            <a:stCxn id="33" idx="3"/>
-            <a:endCxn id="14" idx="1"/>
-          </p:cNvCxnSpPr>
+          <p:cNvPr id="34" name="Straight Connector 33"/>
+          <p:cNvCxnSpPr/>
           <p:nvPr/>
         </p:nvCxnSpPr>
         <p:spPr>
-          <a:xfrm flipV="1">
-            <a:off x="2740781" y="2835953"/>
-            <a:ext cx="2869902" cy="144329"/>
-          </a:xfrm>
-          <a:prstGeom prst="curvedConnector3">
-            <a:avLst>
-              <a:gd name="adj1" fmla="val 50000"/>
-            </a:avLst>
+          <a:xfrm>
+            <a:off x="3283261" y="2990872"/>
+            <a:ext cx="0" cy="731361"/>
+          </a:xfrm>
+          <a:prstGeom prst="line">
+            <a:avLst/>
           </a:prstGeom>
-          <a:ln w="28575">
-            <a:headEnd type="none" w="med" len="med"/>
-            <a:tailEnd type="triangle" w="med" len="med"/>
-          </a:ln>
         </p:spPr>
         <p:style>
           <a:lnRef idx="3">
@@ -3663,71 +3580,58 @@
       </p:cxnSp>
       <p:sp>
         <p:nvSpPr>
-          <p:cNvPr id="36" name="TextBox 35"/>
-          <p:cNvSpPr txBox="1"/>
+          <p:cNvPr id="38" name="Smiley Face 37"/>
+          <p:cNvSpPr/>
           <p:nvPr/>
         </p:nvSpPr>
         <p:spPr>
           <a:xfrm>
-            <a:off x="325261" y="3861031"/>
-            <a:ext cx="1493983" cy="1348574"/>
-          </a:xfrm>
-          <a:prstGeom prst="rect">
+            <a:off x="2877191" y="2202319"/>
+            <a:ext cx="755374" cy="733721"/>
+          </a:xfrm>
+          <a:prstGeom prst="smileyFace">
             <a:avLst/>
           </a:prstGeom>
         </p:spPr>
         <p:style>
           <a:lnRef idx="2">
-            <a:schemeClr val="dk1"/>
+            <a:schemeClr val="accent1">
+              <a:shade val="50000"/>
+            </a:schemeClr>
           </a:lnRef>
           <a:fillRef idx="1">
-            <a:schemeClr val="lt1"/>
+            <a:schemeClr val="accent1"/>
           </a:fillRef>
           <a:effectRef idx="0">
-            <a:schemeClr val="dk1"/>
+            <a:schemeClr val="accent1"/>
           </a:effectRef>
           <a:fontRef idx="minor">
-            <a:schemeClr val="dk1"/>
+            <a:schemeClr val="lt1"/>
           </a:fontRef>
         </p:style>
         <p:txBody>
-          <a:bodyPr wrap="square" rtlCol="0">
-            <a:spAutoFit/>
-          </a:bodyPr>
+          <a:bodyPr rtlCol="0" anchor="ctr"/>
           <a:lstStyle/>
           <a:p>
             <a:pPr algn="ctr"/>
-            <a:r>
-              <a:rPr lang="en-GB" dirty="0"/>
-              <a:t>Start typing in the search input field</a:t>
-            </a:r>
-            <a:endParaRPr lang="en-GB" dirty="0"/>
+            <a:endParaRPr lang="en-GB"/>
           </a:p>
         </p:txBody>
       </p:sp>
       <p:cxnSp>
         <p:nvCxnSpPr>
-          <p:cNvPr id="37" name="Curved Connector 36"/>
-          <p:cNvCxnSpPr>
-            <a:stCxn id="36" idx="3"/>
-            <a:endCxn id="18" idx="1"/>
-          </p:cNvCxnSpPr>
+          <p:cNvPr id="39" name="Straight Connector 38"/>
+          <p:cNvCxnSpPr/>
           <p:nvPr/>
         </p:nvCxnSpPr>
         <p:spPr>
-          <a:xfrm flipV="1">
-            <a:off x="1819244" y="3782634"/>
-            <a:ext cx="3438962" cy="752684"/>
-          </a:xfrm>
-          <a:prstGeom prst="curvedConnector3">
-            <a:avLst>
-              <a:gd name="adj1" fmla="val 50000"/>
-            </a:avLst>
+          <a:xfrm>
+            <a:off x="2818059" y="3209530"/>
+            <a:ext cx="894018" cy="0"/>
+          </a:xfrm>
+          <a:prstGeom prst="line">
+            <a:avLst/>
           </a:prstGeom>
-          <a:ln w="28575">
-            <a:headEnd type="none" w="med" len="med"/>
-            <a:tailEnd type="triangle" w="med" len="med"/>
-          </a:ln>
         </p:spPr>
         <p:style>
           <a:lnRef idx="3">
@@ -3744,73 +3648,20 @@
           </a:fontRef>
         </p:style>
       </p:cxnSp>
-      <p:sp>
-        <p:nvSpPr>
-          <p:cNvPr id="41" name="TextBox 40"/>
-          <p:cNvSpPr txBox="1"/>
+      <p:cxnSp>
+        <p:nvCxnSpPr>
+          <p:cNvPr id="40" name="Straight Connector 39"/>
+          <p:cNvCxnSpPr/>
           <p:nvPr/>
-        </p:nvSpPr>
-        <p:spPr>
-          <a:xfrm>
-            <a:off x="12068548" y="4001063"/>
-            <a:ext cx="2418732" cy="720454"/>
-          </a:xfrm>
-          <a:prstGeom prst="rect">
+        </p:nvCxnSpPr>
+        <p:spPr>
+          <a:xfrm>
+            <a:off x="3283262" y="3722232"/>
+            <a:ext cx="349303" cy="311442"/>
+          </a:xfrm>
+          <a:prstGeom prst="line">
             <a:avLst/>
           </a:prstGeom>
-        </p:spPr>
-        <p:style>
-          <a:lnRef idx="2">
-            <a:schemeClr val="dk1"/>
-          </a:lnRef>
-          <a:fillRef idx="1">
-            <a:schemeClr val="lt1"/>
-          </a:fillRef>
-          <a:effectRef idx="0">
-            <a:schemeClr val="dk1"/>
-          </a:effectRef>
-          <a:fontRef idx="minor">
-            <a:schemeClr val="dk1"/>
-          </a:fontRef>
-        </p:style>
-        <p:txBody>
-          <a:bodyPr wrap="square" rtlCol="0">
-            <a:spAutoFit/>
-          </a:bodyPr>
-          <a:lstStyle/>
-          <a:p>
-            <a:pPr algn="ctr"/>
-            <a:r>
-              <a:rPr lang="en-GB" dirty="0"/>
-              <a:t>Provides suggestions while typing</a:t>
-            </a:r>
-            <a:endParaRPr lang="en-GB" dirty="0"/>
-          </a:p>
-        </p:txBody>
-      </p:sp>
-      <p:cxnSp>
-        <p:nvCxnSpPr>
-          <p:cNvPr id="42" name="Curved Connector 41"/>
-          <p:cNvCxnSpPr>
-            <a:stCxn id="41" idx="1"/>
-            <a:endCxn id="16" idx="3"/>
-          </p:cNvCxnSpPr>
-          <p:nvPr/>
-        </p:nvCxnSpPr>
-        <p:spPr>
-          <a:xfrm rot="10800000" flipV="1">
-            <a:off x="9252379" y="4361290"/>
-            <a:ext cx="2816171" cy="1"/>
-          </a:xfrm>
-          <a:prstGeom prst="curvedConnector3">
-            <a:avLst>
-              <a:gd name="adj1" fmla="val 50000"/>
-            </a:avLst>
-          </a:prstGeom>
-          <a:ln w="28575">
-            <a:headEnd type="none" w="med" len="med"/>
-            <a:tailEnd type="triangle" w="med" len="med"/>
-          </a:ln>
         </p:spPr>
         <p:style>
           <a:lnRef idx="3">
@@ -3827,73 +3678,20 @@
           </a:fontRef>
         </p:style>
       </p:cxnSp>
-      <p:sp>
-        <p:nvSpPr>
-          <p:cNvPr id="48" name="TextBox 47"/>
-          <p:cNvSpPr txBox="1"/>
+      <p:cxnSp>
+        <p:nvCxnSpPr>
+          <p:cNvPr id="43" name="Straight Connector 42"/>
+          <p:cNvCxnSpPr/>
           <p:nvPr/>
-        </p:nvSpPr>
-        <p:spPr>
-          <a:xfrm>
-            <a:off x="379962" y="5513803"/>
-            <a:ext cx="2418732" cy="720454"/>
-          </a:xfrm>
-          <a:prstGeom prst="rect">
+        </p:nvCxnSpPr>
+        <p:spPr>
+          <a:xfrm flipH="1">
+            <a:off x="2877190" y="3747645"/>
+            <a:ext cx="377688" cy="286029"/>
+          </a:xfrm>
+          <a:prstGeom prst="line">
             <a:avLst/>
           </a:prstGeom>
-        </p:spPr>
-        <p:style>
-          <a:lnRef idx="2">
-            <a:schemeClr val="dk1"/>
-          </a:lnRef>
-          <a:fillRef idx="1">
-            <a:schemeClr val="lt1"/>
-          </a:fillRef>
-          <a:effectRef idx="0">
-            <a:schemeClr val="dk1"/>
-          </a:effectRef>
-          <a:fontRef idx="minor">
-            <a:schemeClr val="dk1"/>
-          </a:fontRef>
-        </p:style>
-        <p:txBody>
-          <a:bodyPr wrap="square" rtlCol="0">
-            <a:spAutoFit/>
-          </a:bodyPr>
-          <a:lstStyle/>
-          <a:p>
-            <a:pPr algn="ctr"/>
-            <a:r>
-              <a:rPr lang="en-GB" dirty="0"/>
-              <a:t>Press Enter or click on the search button</a:t>
-            </a:r>
-            <a:endParaRPr lang="en-GB" dirty="0"/>
-          </a:p>
-        </p:txBody>
-      </p:sp>
-      <p:cxnSp>
-        <p:nvCxnSpPr>
-          <p:cNvPr id="49" name="Curved Connector 48"/>
-          <p:cNvCxnSpPr>
-            <a:stCxn id="48" idx="3"/>
-            <a:endCxn id="23" idx="1"/>
-          </p:cNvCxnSpPr>
-          <p:nvPr/>
-        </p:nvCxnSpPr>
-        <p:spPr>
-          <a:xfrm flipV="1">
-            <a:off x="2798694" y="5258758"/>
-            <a:ext cx="2244673" cy="615272"/>
-          </a:xfrm>
-          <a:prstGeom prst="curvedConnector3">
-            <a:avLst>
-              <a:gd name="adj1" fmla="val 50000"/>
-            </a:avLst>
-          </a:prstGeom>
-          <a:ln w="28575">
-            <a:headEnd type="none" w="med" len="med"/>
-            <a:tailEnd type="triangle" w="med" len="med"/>
-          </a:ln>
         </p:spPr>
         <p:style>
           <a:lnRef idx="3">
@@ -3912,14 +3710,14 @@
       </p:cxnSp>
       <p:sp>
         <p:nvSpPr>
-          <p:cNvPr id="74" name="TextBox 73"/>
-          <p:cNvSpPr txBox="1"/>
+          <p:cNvPr id="44" name="Rectangle 43"/>
+          <p:cNvSpPr/>
           <p:nvPr/>
         </p:nvSpPr>
         <p:spPr>
           <a:xfrm>
-            <a:off x="12220948" y="5728262"/>
-            <a:ext cx="2570382" cy="1034514"/>
+            <a:off x="10299720" y="4281358"/>
+            <a:ext cx="1628775" cy="742950"/>
           </a:xfrm>
           <a:prstGeom prst="rect">
             <a:avLst/>
@@ -3927,72 +3725,36 @@
         </p:spPr>
         <p:style>
           <a:lnRef idx="2">
-            <a:schemeClr val="dk1"/>
+            <a:schemeClr val="accent1"/>
           </a:lnRef>
           <a:fillRef idx="1">
             <a:schemeClr val="lt1"/>
           </a:fillRef>
           <a:effectRef idx="0">
-            <a:schemeClr val="dk1"/>
+            <a:schemeClr val="accent1"/>
           </a:effectRef>
           <a:fontRef idx="minor">
             <a:schemeClr val="dk1"/>
           </a:fontRef>
         </p:style>
         <p:txBody>
-          <a:bodyPr wrap="square" rtlCol="0">
-            <a:spAutoFit/>
+          <a:bodyPr rot="0" spcFirstLastPara="0" vertOverflow="overflow" horzOverflow="overflow" vert="horz" wrap="square" lIns="91440" tIns="45720" rIns="91440" bIns="45720" numCol="1" spcCol="0" rtlCol="0" fromWordArt="0" anchor="ctr" anchorCtr="0" forceAA="0" compatLnSpc="1">
+            <a:prstTxWarp prst="textNoShape">
+              <a:avLst/>
+            </a:prstTxWarp>
+            <a:noAutofit/>
           </a:bodyPr>
           <a:lstStyle/>
           <a:p>
             <a:pPr algn="ctr"/>
             <a:r>
-              <a:rPr lang="en-GB" dirty="0"/>
-              <a:t>Shows snippets of the documents matching the search input</a:t>
-            </a:r>
-            <a:endParaRPr lang="en-GB" dirty="0"/>
-          </a:p>
-        </p:txBody>
-      </p:sp>
-      <p:cxnSp>
-        <p:nvCxnSpPr>
-          <p:cNvPr id="75" name="Curved Connector 74"/>
-          <p:cNvCxnSpPr>
-            <a:stCxn id="74" idx="1"/>
-            <a:endCxn id="25" idx="3"/>
-          </p:cNvCxnSpPr>
-          <p:nvPr/>
-        </p:nvCxnSpPr>
-        <p:spPr>
-          <a:xfrm rot="10800000">
-            <a:off x="10673352" y="5936079"/>
-            <a:ext cx="1547596" cy="309440"/>
-          </a:xfrm>
-          <a:prstGeom prst="curvedConnector3">
-            <a:avLst>
-              <a:gd name="adj1" fmla="val 50000"/>
-            </a:avLst>
-          </a:prstGeom>
-          <a:ln w="28575">
-            <a:headEnd type="none" w="med" len="med"/>
-            <a:tailEnd type="triangle" w="med" len="med"/>
-          </a:ln>
-        </p:spPr>
-        <p:style>
-          <a:lnRef idx="3">
-            <a:schemeClr val="dk1"/>
-          </a:lnRef>
-          <a:fillRef idx="0">
-            <a:schemeClr val="dk1"/>
-          </a:fillRef>
-          <a:effectRef idx="2">
-            <a:schemeClr val="dk1"/>
-          </a:effectRef>
-          <a:fontRef idx="minor">
-            <a:schemeClr val="tx1"/>
-          </a:fontRef>
-        </p:style>
-      </p:cxnSp>
+              <a:rPr lang="en-GB" sz="2400" dirty="0" smtClean="0"/>
+              <a:t>:System</a:t>
+            </a:r>
+            <a:endParaRPr lang="en-GB" sz="2400" dirty="0"/>
+          </a:p>
+        </p:txBody>
+      </p:sp>
     </p:spTree>
     <p:extLst>
       <p:ext uri="{BB962C8B-B14F-4D97-AF65-F5344CB8AC3E}">
